--- a/3@CSDS/PPT/4@tree.pptx
+++ b/3@CSDS/PPT/4@tree.pptx
@@ -18965,7 +18965,7 @@
             </a:pPr>
             <a:r>
               <a:rPr lang="en-US" altLang="zh-CN"/>
-              <a:t>Self-balancing tree.(AVL)</a:t>
+              <a:t>Self-balancing search trees.(AVL)</a:t>
             </a:r>
             <a:endParaRPr lang="en-US" altLang="zh-CN"/>
           </a:p>
@@ -18976,7 +18976,7 @@
             </a:pPr>
             <a:r>
               <a:rPr lang="en-US" altLang="zh-CN"/>
-              <a:t>Red-back tree.(RBT)</a:t>
+              <a:t>Red-black tree.(RBT)</a:t>
             </a:r>
             <a:endParaRPr lang="en-US" altLang="zh-CN"/>
           </a:p>
